--- a/Class_Notes/Week7_Plotting.pptx
+++ b/Class_Notes/Week7_Plotting.pptx
@@ -3878,13 +3878,25 @@
           <a:p>
             <a:r>
               <a:rPr lang="en-US" dirty="0"/>
-              <a:t>Monday 1:30-2:30 by Zoom</a:t>
-            </a:r>
-          </a:p>
-          <a:p>
+              <a:t>Monday 1:30-2:30 </a:t>
+            </a:r>
+            <a:r>
+              <a:rPr lang="en-US" dirty="0" err="1"/>
+              <a:t>Harsbarger</a:t>
+            </a:r>
+            <a:r>
+              <a:rPr lang="en-US"/>
+              <a:t> 324e (or on zoom by request) </a:t>
+            </a:r>
+          </a:p>
+          <a:p>
+            <a:r>
+              <a:rPr lang="en-US"/>
+              <a:t>Thursday </a:t>
+            </a:r>
             <a:r>
               <a:rPr lang="en-US" dirty="0"/>
-              <a:t>Thursday 10:00-11:00 </a:t>
+              <a:t>10:00-11:00 </a:t>
             </a:r>
             <a:r>
               <a:rPr lang="en-US" dirty="0" err="1"/>
